--- a/spring12/slidesS12/russell-paradox.pptx
+++ b/spring12/slidesS12/russell-paradox.pptx
@@ -3197,27 +3197,8 @@
                 <a:ea typeface="+mj-ea"/>
                 <a:cs typeface="Comic Sans MS"/>
               </a:rPr>
-              <a:t>Set Theory</a:t>
-            </a:r>
-            <a:r>
-              <a:rPr lang="en-US" sz="8000" kern="0" dirty="0" smtClean="0">
-                <a:solidFill>
-                  <a:schemeClr val="tx2"/>
-                </a:solidFill>
-                <a:latin typeface="Comic Sans MS" pitchFamily="66" charset="0"/>
-                <a:ea typeface="+mj-ea"/>
-                <a:cs typeface="Comic Sans MS"/>
-              </a:rPr>
-              <a:t> </a:t>
-            </a:r>
-            <a:endParaRPr lang="en-US" sz="8000" kern="0" dirty="0" smtClean="0">
-              <a:solidFill>
-                <a:schemeClr val="tx2"/>
-              </a:solidFill>
-              <a:latin typeface="Comic Sans MS" pitchFamily="66" charset="0"/>
-              <a:ea typeface="+mj-ea"/>
-              <a:cs typeface="Comic Sans MS"/>
-            </a:endParaRPr>
+              <a:t>Set Theory </a:t>
+            </a:r>
           </a:p>
         </p:txBody>
       </p:sp>
@@ -3345,7 +3326,91 @@
   <p:timing>
     <p:tnLst>
       <p:par>
-        <p:cTn xmlns:p14="http://schemas.microsoft.com/office/powerpoint/2010/main" id="1" dur="indefinite" restart="never" nodeType="tmRoot"/>
+        <p:cTn xmlns:p14="http://schemas.microsoft.com/office/powerpoint/2010/main" id="1" dur="indefinite" restart="never" nodeType="tmRoot">
+          <p:childTnLst>
+            <p:seq concurrent="1" nextAc="seek">
+              <p:cTn id="2" dur="indefinite" nodeType="mainSeq">
+                <p:childTnLst>
+                  <p:par>
+                    <p:cTn id="3" fill="hold">
+                      <p:stCondLst>
+                        <p:cond delay="indefinite"/>
+                      </p:stCondLst>
+                      <p:childTnLst>
+                        <p:par>
+                          <p:cTn id="4" fill="hold">
+                            <p:stCondLst>
+                              <p:cond delay="0"/>
+                            </p:stCondLst>
+                            <p:childTnLst>
+                              <p:par>
+                                <p:cTn id="5" presetID="9" presetClass="entr" presetSubtype="0" fill="hold" nodeType="clickEffect">
+                                  <p:stCondLst>
+                                    <p:cond delay="0"/>
+                                  </p:stCondLst>
+                                  <p:childTnLst>
+                                    <p:set>
+                                      <p:cBhvr>
+                                        <p:cTn id="6" dur="1" fill="hold">
+                                          <p:stCondLst>
+                                            <p:cond delay="0"/>
+                                          </p:stCondLst>
+                                        </p:cTn>
+                                        <p:tgtEl>
+                                          <p:spTgt spid="3">
+                                            <p:txEl>
+                                              <p:pRg st="1" end="1"/>
+                                            </p:txEl>
+                                          </p:spTgt>
+                                        </p:tgtEl>
+                                        <p:attrNameLst>
+                                          <p:attrName>style.visibility</p:attrName>
+                                        </p:attrNameLst>
+                                      </p:cBhvr>
+                                      <p:to>
+                                        <p:strVal val="visible"/>
+                                      </p:to>
+                                    </p:set>
+                                    <p:animEffect transition="in" filter="dissolve">
+                                      <p:cBhvr>
+                                        <p:cTn id="7" dur="500"/>
+                                        <p:tgtEl>
+                                          <p:spTgt spid="3">
+                                            <p:txEl>
+                                              <p:pRg st="1" end="1"/>
+                                            </p:txEl>
+                                          </p:spTgt>
+                                        </p:tgtEl>
+                                      </p:cBhvr>
+                                    </p:animEffect>
+                                  </p:childTnLst>
+                                </p:cTn>
+                              </p:par>
+                            </p:childTnLst>
+                          </p:cTn>
+                        </p:par>
+                      </p:childTnLst>
+                    </p:cTn>
+                  </p:par>
+                </p:childTnLst>
+              </p:cTn>
+              <p:prevCondLst>
+                <p:cond evt="onPrev" delay="0">
+                  <p:tgtEl>
+                    <p:sldTgt/>
+                  </p:tgtEl>
+                </p:cond>
+              </p:prevCondLst>
+              <p:nextCondLst>
+                <p:cond evt="onNext" delay="0">
+                  <p:tgtEl>
+                    <p:sldTgt/>
+                  </p:tgtEl>
+                </p:cond>
+              </p:nextCondLst>
+            </p:seq>
+          </p:childTnLst>
+        </p:cTn>
       </p:par>
     </p:tnLst>
   </p:timing>
@@ -3510,7 +3575,7 @@
                             </p:stCondLst>
                             <p:childTnLst>
                               <p:par>
-                                <p:cTn id="5" presetID="1" presetClass="entr" presetSubtype="0" fill="hold" nodeType="clickEffect">
+                                <p:cTn id="5" presetID="9" presetClass="entr" presetSubtype="0" fill="hold" nodeType="clickEffect">
                                   <p:stCondLst>
                                     <p:cond delay="0"/>
                                   </p:stCondLst>
@@ -3537,6 +3602,18 @@
                                         <p:strVal val="visible"/>
                                       </p:to>
                                     </p:set>
+                                    <p:animEffect transition="in" filter="dissolve">
+                                      <p:cBhvr>
+                                        <p:cTn id="7" dur="500"/>
+                                        <p:tgtEl>
+                                          <p:spTgt spid="3">
+                                            <p:txEl>
+                                              <p:pRg st="2" end="2"/>
+                                            </p:txEl>
+                                          </p:spTgt>
+                                        </p:tgtEl>
+                                      </p:cBhvr>
+                                    </p:animEffect>
                                   </p:childTnLst>
                                 </p:cTn>
                               </p:par>
@@ -3638,7 +3715,7 @@
           <a:graphicData uri="http://schemas.openxmlformats.org/presentationml/2006/ole">
             <mc:AlternateContent xmlns:mc="http://schemas.openxmlformats.org/markup-compatibility/2006">
               <mc:Choice xmlns:v="urn:schemas-microsoft-com:vml" Requires="v">
-                <p:oleObj spid="_x0000_s1107" name="Equation" r:id="rId4" imgW="2133600" imgH="215900" progId="Equation.DSMT4">
+                <p:oleObj spid="_x0000_s1112" name="Equation" r:id="rId4" imgW="2133600" imgH="215900" progId="Equation.DSMT4">
                   <p:embed/>
                 </p:oleObj>
               </mc:Choice>
@@ -3763,7 +3840,7 @@
           <a:graphicData uri="http://schemas.openxmlformats.org/presentationml/2006/ole">
             <mc:AlternateContent xmlns:mc="http://schemas.openxmlformats.org/markup-compatibility/2006">
               <mc:Choice xmlns:v="urn:schemas-microsoft-com:vml" Requires="v">
-                <p:oleObj spid="_x0000_s1108" name="Equation" r:id="rId6" imgW="1549400" imgH="215900" progId="Equation.DSMT4">
+                <p:oleObj spid="_x0000_s1113" name="Equation" r:id="rId6" imgW="1549400" imgH="215900" progId="Equation.DSMT4">
                   <p:embed/>
                 </p:oleObj>
               </mc:Choice>
@@ -3848,7 +3925,7 @@
                             </p:stCondLst>
                             <p:childTnLst>
                               <p:par>
-                                <p:cTn id="5" presetID="1" presetClass="entr" presetSubtype="0" fill="hold" grpId="0" nodeType="clickEffect">
+                                <p:cTn id="5" presetID="9" presetClass="entr" presetSubtype="0" fill="hold" grpId="0" nodeType="clickEffect">
                                   <p:stCondLst>
                                     <p:cond delay="0"/>
                                   </p:stCondLst>
@@ -3871,6 +3948,14 @@
                                         <p:strVal val="visible"/>
                                       </p:to>
                                     </p:set>
+                                    <p:animEffect transition="in" filter="dissolve">
+                                      <p:cBhvr>
+                                        <p:cTn id="7" dur="500"/>
+                                        <p:tgtEl>
+                                          <p:spTgt spid="7"/>
+                                        </p:tgtEl>
+                                      </p:cBhvr>
+                                    </p:animEffect>
                                   </p:childTnLst>
                                 </p:cTn>
                               </p:par>
@@ -3881,26 +3966,26 @@
                     </p:cTn>
                   </p:par>
                   <p:par>
-                    <p:cTn id="7" fill="hold">
+                    <p:cTn id="8" fill="hold">
                       <p:stCondLst>
                         <p:cond delay="indefinite"/>
                       </p:stCondLst>
                       <p:childTnLst>
                         <p:par>
-                          <p:cTn id="8" fill="hold">
+                          <p:cTn id="9" fill="hold">
                             <p:stCondLst>
                               <p:cond delay="0"/>
                             </p:stCondLst>
                             <p:childTnLst>
                               <p:par>
-                                <p:cTn id="9" presetID="22" presetClass="entr" presetSubtype="8" fill="hold" nodeType="clickEffect">
+                                <p:cTn id="10" presetID="22" presetClass="entr" presetSubtype="8" fill="hold" nodeType="clickEffect">
                                   <p:stCondLst>
                                     <p:cond delay="0"/>
                                   </p:stCondLst>
                                   <p:childTnLst>
                                     <p:set>
                                       <p:cBhvr>
-                                        <p:cTn id="10" dur="1" fill="hold">
+                                        <p:cTn id="11" dur="1" fill="hold">
                                           <p:stCondLst>
                                             <p:cond delay="0"/>
                                           </p:stCondLst>
@@ -3918,7 +4003,7 @@
                                     </p:set>
                                     <p:animEffect transition="in" filter="wipe(left)">
                                       <p:cBhvr>
-                                        <p:cTn id="11" dur="500"/>
+                                        <p:cTn id="12" dur="1000"/>
                                         <p:tgtEl>
                                           <p:spTgt spid="6"/>
                                         </p:tgtEl>
@@ -3934,26 +4019,26 @@
                     </p:cTn>
                   </p:par>
                   <p:par>
-                    <p:cTn id="12" fill="hold">
+                    <p:cTn id="13" fill="hold">
                       <p:stCondLst>
                         <p:cond delay="indefinite"/>
                       </p:stCondLst>
                       <p:childTnLst>
                         <p:par>
-                          <p:cTn id="13" fill="hold">
+                          <p:cTn id="14" fill="hold">
                             <p:stCondLst>
                               <p:cond delay="0"/>
                             </p:stCondLst>
                             <p:childTnLst>
                               <p:par>
-                                <p:cTn id="14" presetID="1" presetClass="entr" presetSubtype="0" fill="hold" grpId="0" nodeType="clickEffect">
+                                <p:cTn id="15" presetID="9" presetClass="entr" presetSubtype="0" fill="hold" grpId="0" nodeType="clickEffect">
                                   <p:stCondLst>
                                     <p:cond delay="0"/>
                                   </p:stCondLst>
                                   <p:childTnLst>
                                     <p:set>
                                       <p:cBhvr>
-                                        <p:cTn id="15" dur="1" fill="hold">
+                                        <p:cTn id="16" dur="1" fill="hold">
                                           <p:stCondLst>
                                             <p:cond delay="0"/>
                                           </p:stCondLst>
@@ -3969,6 +4054,14 @@
                                         <p:strVal val="visible"/>
                                       </p:to>
                                     </p:set>
+                                    <p:animEffect transition="in" filter="dissolve">
+                                      <p:cBhvr>
+                                        <p:cTn id="17" dur="500"/>
+                                        <p:tgtEl>
+                                          <p:spTgt spid="8"/>
+                                        </p:tgtEl>
+                                      </p:cBhvr>
+                                    </p:animEffect>
                                   </p:childTnLst>
                                 </p:cTn>
                               </p:par>
@@ -3979,26 +4072,26 @@
                     </p:cTn>
                   </p:par>
                   <p:par>
-                    <p:cTn id="16" fill="hold">
+                    <p:cTn id="18" fill="hold">
                       <p:stCondLst>
                         <p:cond delay="indefinite"/>
                       </p:stCondLst>
                       <p:childTnLst>
                         <p:par>
-                          <p:cTn id="17" fill="hold">
+                          <p:cTn id="19" fill="hold">
                             <p:stCondLst>
                               <p:cond delay="0"/>
                             </p:stCondLst>
                             <p:childTnLst>
                               <p:par>
-                                <p:cTn id="18" presetID="22" presetClass="entr" presetSubtype="8" fill="hold" nodeType="clickEffect">
+                                <p:cTn id="20" presetID="22" presetClass="entr" presetSubtype="8" fill="hold" nodeType="clickEffect">
                                   <p:stCondLst>
                                     <p:cond delay="0"/>
                                   </p:stCondLst>
                                   <p:childTnLst>
                                     <p:set>
                                       <p:cBhvr>
-                                        <p:cTn id="19" dur="1" fill="hold">
+                                        <p:cTn id="21" dur="1" fill="hold">
                                           <p:stCondLst>
                                             <p:cond delay="0"/>
                                           </p:stCondLst>
@@ -4016,7 +4109,7 @@
                                     </p:set>
                                     <p:animEffect transition="in" filter="wipe(left)">
                                       <p:cBhvr>
-                                        <p:cTn id="20" dur="500"/>
+                                        <p:cTn id="22" dur="1000"/>
                                         <p:tgtEl>
                                           <p:spTgt spid="638979"/>
                                         </p:tgtEl>
@@ -4191,7 +4284,7 @@
           <a:graphicData uri="http://schemas.openxmlformats.org/presentationml/2006/ole">
             <mc:AlternateContent xmlns:mc="http://schemas.openxmlformats.org/markup-compatibility/2006">
               <mc:Choice xmlns:v="urn:schemas-microsoft-com:vml" Requires="v">
-                <p:oleObj spid="_x0000_s56465" name="Equation" r:id="rId4" imgW="698500" imgH="381000" progId="Equation.DSMT4">
+                <p:oleObj spid="_x0000_s56474" name="Equation" r:id="rId4" imgW="698500" imgH="381000" progId="Equation.DSMT4">
                   <p:embed/>
                 </p:oleObj>
               </mc:Choice>
@@ -4331,7 +4424,7 @@
           <a:graphicData uri="http://schemas.openxmlformats.org/presentationml/2006/ole">
             <mc:AlternateContent xmlns:mc="http://schemas.openxmlformats.org/markup-compatibility/2006">
               <mc:Choice xmlns:v="urn:schemas-microsoft-com:vml" Requires="v">
-                <p:oleObj spid="_x0000_s56466" name="Equation" r:id="rId6" imgW="977900" imgH="330200" progId="Equation.DSMT4">
+                <p:oleObj spid="_x0000_s56475" name="Equation" r:id="rId6" imgW="977900" imgH="330200" progId="Equation.DSMT4">
                   <p:embed/>
                 </p:oleObj>
               </mc:Choice>
@@ -4401,7 +4494,7 @@
           <a:graphicData uri="http://schemas.openxmlformats.org/presentationml/2006/ole">
             <mc:AlternateContent xmlns:mc="http://schemas.openxmlformats.org/markup-compatibility/2006">
               <mc:Choice xmlns:v="urn:schemas-microsoft-com:vml" Requires="v">
-                <p:oleObj spid="_x0000_s56467" name="Equation" r:id="rId8" imgW="965200" imgH="330200" progId="Equation.DSMT4">
+                <p:oleObj spid="_x0000_s56476" name="Equation" r:id="rId8" imgW="965200" imgH="330200" progId="Equation.DSMT4">
                   <p:embed/>
                 </p:oleObj>
               </mc:Choice>
@@ -4471,7 +4564,7 @@
           <a:graphicData uri="http://schemas.openxmlformats.org/presentationml/2006/ole">
             <mc:AlternateContent xmlns:mc="http://schemas.openxmlformats.org/markup-compatibility/2006">
               <mc:Choice xmlns:v="urn:schemas-microsoft-com:vml" Requires="v">
-                <p:oleObj spid="_x0000_s56468" name="Equation" r:id="rId10" imgW="647700" imgH="381000" progId="Equation.DSMT4">
+                <p:oleObj spid="_x0000_s56477" name="Equation" r:id="rId10" imgW="647700" imgH="381000" progId="Equation.DSMT4">
                   <p:embed/>
                 </p:oleObj>
               </mc:Choice>
@@ -4975,7 +5068,7 @@
           <a:graphicData uri="http://schemas.openxmlformats.org/presentationml/2006/ole">
             <mc:AlternateContent xmlns:mc="http://schemas.openxmlformats.org/markup-compatibility/2006">
               <mc:Choice xmlns:v="urn:schemas-microsoft-com:vml" Requires="v">
-                <p:oleObj spid="_x0000_s57425" name="Equation" r:id="rId4" imgW="1524000" imgH="406400" progId="Equation.DSMT4">
+                <p:oleObj spid="_x0000_s57430" name="Equation" r:id="rId4" imgW="1524000" imgH="406400" progId="Equation.DSMT4">
                   <p:embed/>
                 </p:oleObj>
               </mc:Choice>
@@ -5039,7 +5132,7 @@
           <a:graphicData uri="http://schemas.openxmlformats.org/presentationml/2006/ole">
             <mc:AlternateContent xmlns:mc="http://schemas.openxmlformats.org/markup-compatibility/2006">
               <mc:Choice xmlns:v="urn:schemas-microsoft-com:vml" Requires="v">
-                <p:oleObj spid="_x0000_s57426" name="Equation" r:id="rId6" imgW="1384200" imgH="266400" progId="Equation.DSMT4">
+                <p:oleObj spid="_x0000_s57431" name="Equation" r:id="rId6" imgW="1384200" imgH="266400" progId="Equation.DSMT4">
                   <p:embed/>
                 </p:oleObj>
               </mc:Choice>
@@ -5337,7 +5430,7 @@
           <a:graphicData uri="http://schemas.openxmlformats.org/presentationml/2006/ole">
             <mc:AlternateContent xmlns:mc="http://schemas.openxmlformats.org/markup-compatibility/2006">
               <mc:Choice xmlns:v="urn:schemas-microsoft-com:vml" Requires="v">
-                <p:oleObj spid="_x0000_s58484" name="Equation" r:id="rId5" imgW="1841400" imgH="279360" progId="Equation.DSMT4">
+                <p:oleObj spid="_x0000_s58491" name="Equation" r:id="rId5" imgW="1841400" imgH="279360" progId="Equation.DSMT4">
                   <p:embed/>
                 </p:oleObj>
               </mc:Choice>
@@ -5407,7 +5500,7 @@
           <a:graphicData uri="http://schemas.openxmlformats.org/presentationml/2006/ole">
             <mc:AlternateContent xmlns:mc="http://schemas.openxmlformats.org/markup-compatibility/2006">
               <mc:Choice xmlns:v="urn:schemas-microsoft-com:vml" Requires="v">
-                <p:oleObj spid="_x0000_s58485" name="Equation" r:id="rId7" imgW="1600200" imgH="279360" progId="Equation.DSMT4">
+                <p:oleObj spid="_x0000_s58492" name="Equation" r:id="rId7" imgW="1600200" imgH="279360" progId="Equation.DSMT4">
                   <p:embed/>
                 </p:oleObj>
               </mc:Choice>
@@ -5477,7 +5570,7 @@
           <a:graphicData uri="http://schemas.openxmlformats.org/presentationml/2006/ole">
             <mc:AlternateContent xmlns:mc="http://schemas.openxmlformats.org/markup-compatibility/2006">
               <mc:Choice xmlns:v="urn:schemas-microsoft-com:vml" Requires="v">
-                <p:oleObj spid="_x0000_s58486" name="Equation" r:id="rId9" imgW="1574640" imgH="279360" progId="Equation.DSMT4">
+                <p:oleObj spid="_x0000_s58493" name="Equation" r:id="rId9" imgW="1574640" imgH="279360" progId="Equation.DSMT4">
                   <p:embed/>
                 </p:oleObj>
               </mc:Choice>
@@ -5593,7 +5686,7 @@
                                     </p:set>
                                     <p:animEffect transition="in" filter="wipe(left)">
                                       <p:cBhvr>
-                                        <p:cTn id="7" dur="500"/>
+                                        <p:cTn id="7" dur="1000"/>
                                         <p:tgtEl>
                                           <p:spTgt spid="10"/>
                                         </p:tgtEl>
@@ -5674,7 +5767,7 @@
                             </p:stCondLst>
                             <p:childTnLst>
                               <p:par>
-                                <p:cTn id="15" presetID="1" presetClass="entr" presetSubtype="0" fill="hold" grpId="0" nodeType="clickEffect">
+                                <p:cTn id="15" presetID="9" presetClass="entr" presetSubtype="0" fill="hold" grpId="0" nodeType="clickEffect">
                                   <p:stCondLst>
                                     <p:cond delay="0"/>
                                   </p:stCondLst>
@@ -5701,6 +5794,18 @@
                                         <p:strVal val="visible"/>
                                       </p:to>
                                     </p:set>
+                                    <p:animEffect transition="in" filter="dissolve">
+                                      <p:cBhvr>
+                                        <p:cTn id="17" dur="500"/>
+                                        <p:tgtEl>
+                                          <p:spTgt spid="114695">
+                                            <p:txEl>
+                                              <p:pRg st="0" end="0"/>
+                                            </p:txEl>
+                                          </p:spTgt>
+                                        </p:tgtEl>
+                                      </p:cBhvr>
+                                    </p:animEffect>
                                   </p:childTnLst>
                                 </p:cTn>
                               </p:par>
@@ -5708,20 +5813,20 @@
                           </p:cTn>
                         </p:par>
                         <p:par>
-                          <p:cTn id="17" fill="hold">
+                          <p:cTn id="18" fill="hold">
                             <p:stCondLst>
-                              <p:cond delay="0"/>
+                              <p:cond delay="500"/>
                             </p:stCondLst>
                             <p:childTnLst>
                               <p:par>
-                                <p:cTn id="18" presetID="1" presetClass="entr" presetSubtype="0" fill="hold" grpId="0" nodeType="afterEffect">
+                                <p:cTn id="19" presetID="9" presetClass="entr" presetSubtype="0" fill="hold" grpId="0" nodeType="afterEffect">
                                   <p:stCondLst>
                                     <p:cond delay="500"/>
                                   </p:stCondLst>
                                   <p:childTnLst>
                                     <p:set>
                                       <p:cBhvr>
-                                        <p:cTn id="19" dur="1" fill="hold">
+                                        <p:cTn id="20" dur="1" fill="hold">
                                           <p:stCondLst>
                                             <p:cond delay="0"/>
                                           </p:stCondLst>
@@ -5741,6 +5846,18 @@
                                         <p:strVal val="visible"/>
                                       </p:to>
                                     </p:set>
+                                    <p:animEffect transition="in" filter="dissolve">
+                                      <p:cBhvr>
+                                        <p:cTn id="21" dur="500"/>
+                                        <p:tgtEl>
+                                          <p:spTgt spid="114695">
+                                            <p:txEl>
+                                              <p:pRg st="1" end="1"/>
+                                            </p:txEl>
+                                          </p:spTgt>
+                                        </p:tgtEl>
+                                      </p:cBhvr>
+                                    </p:animEffect>
                                   </p:childTnLst>
                                 </p:cTn>
                               </p:par>
@@ -5751,26 +5868,26 @@
                     </p:cTn>
                   </p:par>
                   <p:par>
-                    <p:cTn id="20" fill="hold">
+                    <p:cTn id="22" fill="hold">
                       <p:stCondLst>
                         <p:cond delay="indefinite"/>
                       </p:stCondLst>
                       <p:childTnLst>
                         <p:par>
-                          <p:cTn id="21" fill="hold">
+                          <p:cTn id="23" fill="hold">
                             <p:stCondLst>
                               <p:cond delay="0"/>
                             </p:stCondLst>
                             <p:childTnLst>
                               <p:par>
-                                <p:cTn id="22" presetID="22" presetClass="entr" presetSubtype="8" fill="hold" nodeType="clickEffect">
+                                <p:cTn id="24" presetID="22" presetClass="entr" presetSubtype="8" fill="hold" nodeType="clickEffect">
                                   <p:stCondLst>
                                     <p:cond delay="0"/>
                                   </p:stCondLst>
                                   <p:childTnLst>
                                     <p:set>
                                       <p:cBhvr>
-                                        <p:cTn id="23" dur="1" fill="hold">
+                                        <p:cTn id="25" dur="1" fill="hold">
                                           <p:stCondLst>
                                             <p:cond delay="0"/>
                                           </p:stCondLst>
@@ -5788,7 +5905,7 @@
                                     </p:set>
                                     <p:animEffect transition="in" filter="wipe(left)">
                                       <p:cBhvr>
-                                        <p:cTn id="24" dur="500"/>
+                                        <p:cTn id="26" dur="500"/>
                                         <p:tgtEl>
                                           <p:spTgt spid="584708"/>
                                         </p:tgtEl>
@@ -6235,7 +6352,7 @@
           <a:graphicData uri="http://schemas.openxmlformats.org/presentationml/2006/ole">
             <mc:AlternateContent xmlns:mc="http://schemas.openxmlformats.org/markup-compatibility/2006">
               <mc:Choice xmlns:v="urn:schemas-microsoft-com:vml" Requires="v">
-                <p:oleObj spid="_x0000_s59442" name="Equation" r:id="rId5" imgW="1790640" imgH="279360" progId="Equation.DSMT4">
+                <p:oleObj spid="_x0000_s59445" name="Equation" r:id="rId5" imgW="1790640" imgH="279360" progId="Equation.DSMT4">
                   <p:embed/>
                 </p:oleObj>
               </mc:Choice>
@@ -7016,7 +7133,22 @@
               <a:rPr lang="en-US" sz="4400" dirty="0" smtClean="0">
                 <a:latin typeface="Comic Sans MS" pitchFamily="66" charset="0"/>
               </a:rPr>
-              <a:t> just which well-defined</a:t>
+              <a:t> just </a:t>
+            </a:r>
+            <a:r>
+              <a:rPr lang="en-US" sz="4400" dirty="0" smtClean="0">
+                <a:solidFill>
+                  <a:srgbClr val="9751CB"/>
+                </a:solidFill>
+                <a:latin typeface="Comic Sans MS" pitchFamily="66" charset="0"/>
+              </a:rPr>
+              <a:t>which</a:t>
+            </a:r>
+            <a:r>
+              <a:rPr lang="en-US" sz="4400" dirty="0" smtClean="0">
+                <a:latin typeface="Comic Sans MS" pitchFamily="66" charset="0"/>
+              </a:rPr>
+              <a:t> well-defined</a:t>
             </a:r>
           </a:p>
           <a:p>
@@ -7032,7 +7164,10 @@
               <a:t> collections </a:t>
             </a:r>
             <a:r>
-              <a:rPr lang="en-US" sz="4400" i="1" dirty="0" smtClean="0">
+              <a:rPr lang="en-US" sz="4400" dirty="0" smtClean="0">
+                <a:solidFill>
+                  <a:srgbClr val="9751CB"/>
+                </a:solidFill>
                 <a:latin typeface="Comic Sans MS" pitchFamily="66" charset="0"/>
               </a:rPr>
               <a:t>are</a:t>
@@ -7215,15 +7350,24 @@
                                   </p:childTnLst>
                                 </p:cTn>
                               </p:par>
+                            </p:childTnLst>
+                          </p:cTn>
+                        </p:par>
+                        <p:par>
+                          <p:cTn id="8" fill="hold">
+                            <p:stCondLst>
+                              <p:cond delay="500"/>
+                            </p:stCondLst>
+                            <p:childTnLst>
                               <p:par>
-                                <p:cTn id="8" presetID="10" presetClass="entr" presetSubtype="0" fill="hold" nodeType="withEffect">
+                                <p:cTn id="9" presetID="10" presetClass="entr" presetSubtype="0" fill="hold" nodeType="afterEffect">
                                   <p:stCondLst>
-                                    <p:cond delay="0"/>
+                                    <p:cond delay="500"/>
                                   </p:stCondLst>
                                   <p:childTnLst>
                                     <p:set>
                                       <p:cBhvr>
-                                        <p:cTn id="9" dur="1" fill="hold">
+                                        <p:cTn id="10" dur="1" fill="hold">
                                           <p:stCondLst>
                                             <p:cond delay="0"/>
                                           </p:stCondLst>
@@ -7245,7 +7389,7 @@
                                     </p:set>
                                     <p:animEffect transition="in" filter="fade">
                                       <p:cBhvr>
-                                        <p:cTn id="10" dur="500"/>
+                                        <p:cTn id="11" dur="1000"/>
                                         <p:tgtEl>
                                           <p:spTgt spid="117767">
                                             <p:txEl>
@@ -7259,14 +7403,14 @@
                                 </p:cTn>
                               </p:par>
                               <p:par>
-                                <p:cTn id="11" presetID="10" presetClass="entr" presetSubtype="0" fill="hold" nodeType="withEffect">
+                                <p:cTn id="12" presetID="10" presetClass="entr" presetSubtype="0" fill="hold" nodeType="withEffect">
                                   <p:stCondLst>
-                                    <p:cond delay="0"/>
+                                    <p:cond delay="500"/>
                                   </p:stCondLst>
                                   <p:childTnLst>
                                     <p:set>
                                       <p:cBhvr>
-                                        <p:cTn id="12" dur="1" fill="hold">
+                                        <p:cTn id="13" dur="1" fill="hold">
                                           <p:stCondLst>
                                             <p:cond delay="0"/>
                                           </p:stCondLst>
@@ -7288,7 +7432,7 @@
                                     </p:set>
                                     <p:animEffect transition="in" filter="fade">
                                       <p:cBhvr>
-                                        <p:cTn id="13" dur="500"/>
+                                        <p:cTn id="14" dur="1000"/>
                                         <p:tgtEl>
                                           <p:spTgt spid="117767">
                                             <p:txEl>
